--- a/Week 9/wk9_PHYS3116_2025T3_tutorial_slides.pptx
+++ b/Week 9/wk9_PHYS3116_2025T3_tutorial_slides.pptx
@@ -9602,8 +9602,8 @@
           </a:p>
         </p:txBody>
       </p:sp>
-      <mc:AlternateContent xmlns:mc="http://schemas.openxmlformats.org/markup-compatibility/2006">
-        <mc:Choice xmlns:a14="http://schemas.microsoft.com/office/drawing/2010/main" Requires="a14">
+      <mc:AlternateContent xmlns:mc="http://schemas.openxmlformats.org/markup-compatibility/2006" xmlns:a14="http://schemas.microsoft.com/office/drawing/2010/main">
+        <mc:Choice Requires="a14">
           <p:sp>
             <p:nvSpPr>
               <p:cNvPr id="7" name="Content Placeholder 2">
@@ -10140,7 +10140,7 @@
             </p:txBody>
           </p:sp>
         </mc:Choice>
-        <mc:Fallback>
+        <mc:Fallback xmlns="">
           <p:sp>
             <p:nvSpPr>
               <p:cNvPr id="7" name="Content Placeholder 2">
@@ -10570,85 +10570,6 @@
                 </a:endParaRPr>
               </a:p>
               <a:p>
-                <a:pPr marL="687600" lvl="1" indent="-457200">
-                  <a:lnSpc>
-                    <a:spcPct val="120000"/>
-                  </a:lnSpc>
-                  <a:buBlip>
-                    <a:blip r:embed="rId3"/>
-                  </a:buBlip>
-                </a:pPr>
-                <a:r>
-                  <a:rPr lang="en-AU" b="1" dirty="0">
-                    <a:solidFill>
-                      <a:schemeClr val="accent3"/>
-                    </a:solidFill>
-                  </a:rPr>
-                  <a:t>pip install </a:t>
-                </a:r>
-                <a:r>
-                  <a:rPr lang="en-AU" b="1" dirty="0" err="1">
-                    <a:solidFill>
-                      <a:schemeClr val="accent3"/>
-                    </a:solidFill>
-                  </a:rPr>
-                  <a:t>git+https</a:t>
-                </a:r>
-                <a:r>
-                  <a:rPr lang="en-AU" b="1" dirty="0">
-                    <a:solidFill>
-                      <a:schemeClr val="accent3"/>
-                    </a:solidFill>
-                  </a:rPr>
-                  <a:t>://</a:t>
-                </a:r>
-                <a:r>
-                  <a:rPr lang="en-AU" b="1" dirty="0" err="1">
-                    <a:solidFill>
-                      <a:schemeClr val="accent3"/>
-                    </a:solidFill>
-                  </a:rPr>
-                  <a:t>github.com</a:t>
-                </a:r>
-                <a:r>
-                  <a:rPr lang="en-AU" b="1" dirty="0">
-                    <a:solidFill>
-                      <a:schemeClr val="accent3"/>
-                    </a:solidFill>
-                  </a:rPr>
-                  <a:t>/</a:t>
-                </a:r>
-                <a:r>
-                  <a:rPr lang="en-AU" b="1" dirty="0" err="1">
-                    <a:solidFill>
-                      <a:schemeClr val="accent3"/>
-                    </a:solidFill>
-                  </a:rPr>
-                  <a:t>karllark</a:t>
-                </a:r>
-                <a:r>
-                  <a:rPr lang="en-AU" b="1" dirty="0">
-                    <a:solidFill>
-                      <a:schemeClr val="accent3"/>
-                    </a:solidFill>
-                  </a:rPr>
-                  <a:t>/</a:t>
-                </a:r>
-                <a:r>
-                  <a:rPr lang="en-AU" b="1" dirty="0" err="1">
-                    <a:solidFill>
-                      <a:schemeClr val="accent3"/>
-                    </a:solidFill>
-                  </a:rPr>
-                  <a:t>dust_attenuation.git</a:t>
-                </a:r>
-                <a:endParaRPr lang="en-AU" b="1" dirty="0">
-                  <a:solidFill>
-                    <a:schemeClr val="accent3"/>
-                  </a:solidFill>
-                </a:endParaRPr>
-              </a:p>
-              <a:p>
                 <a:pPr marL="457200" indent="-457200">
                   <a:lnSpc>
                     <a:spcPct val="120000"/>
@@ -10883,8 +10804,8 @@
           </a:p>
         </p:txBody>
       </p:sp>
-      <mc:AlternateContent xmlns:mc="http://schemas.openxmlformats.org/markup-compatibility/2006">
-        <mc:Choice xmlns:a14="http://schemas.microsoft.com/office/drawing/2010/main" Requires="a14">
+      <mc:AlternateContent xmlns:mc="http://schemas.openxmlformats.org/markup-compatibility/2006" xmlns:a14="http://schemas.microsoft.com/office/drawing/2010/main">
+        <mc:Choice Requires="a14">
           <p:sp>
             <p:nvSpPr>
               <p:cNvPr id="7" name="Content Placeholder 2">
@@ -11541,7 +11462,7 @@
             </p:txBody>
           </p:sp>
         </mc:Choice>
-        <mc:Fallback>
+        <mc:Fallback xmlns="">
           <p:sp>
             <p:nvSpPr>
               <p:cNvPr id="7" name="Content Placeholder 2">
@@ -12082,8 +12003,8 @@
           </a:p>
         </p:txBody>
       </p:sp>
-      <mc:AlternateContent xmlns:mc="http://schemas.openxmlformats.org/markup-compatibility/2006">
-        <mc:Choice xmlns:a14="http://schemas.microsoft.com/office/drawing/2010/main" Requires="a14">
+      <mc:AlternateContent xmlns:mc="http://schemas.openxmlformats.org/markup-compatibility/2006" xmlns:a14="http://schemas.microsoft.com/office/drawing/2010/main">
+        <mc:Choice Requires="a14">
           <p:sp>
             <p:nvSpPr>
               <p:cNvPr id="7" name="Content Placeholder 2">
@@ -12541,7 +12462,7 @@
             </p:txBody>
           </p:sp>
         </mc:Choice>
-        <mc:Fallback>
+        <mc:Fallback xmlns="">
           <p:sp>
             <p:nvSpPr>
               <p:cNvPr id="7" name="Content Placeholder 2">
@@ -14186,6 +14107,17 @@
 </file>
 
 <file path=customXml/item1.xml><?xml version="1.0" encoding="utf-8"?>
+<p:properties xmlns:p="http://schemas.microsoft.com/office/2006/metadata/properties" xmlns:xsi="http://www.w3.org/2001/XMLSchema-instance" xmlns:pc="http://schemas.microsoft.com/office/infopath/2007/PartnerControls">
+  <documentManagement>
+    <TaxCatchAll xmlns="3d8a2230-54d9-4525-a072-aaf2ad3921af" xsi:nil="true"/>
+    <lcf76f155ced4ddcb4097134ff3c332f xmlns="3e861e5c-b9b4-4f4a-a39d-d4f58c595d50">
+      <Terms xmlns="http://schemas.microsoft.com/office/infopath/2007/PartnerControls"/>
+    </lcf76f155ced4ddcb4097134ff3c332f>
+  </documentManagement>
+</p:properties>
+</file>
+
+<file path=customXml/item2.xml><?xml version="1.0" encoding="utf-8"?>
 <ct:contentTypeSchema xmlns:ct="http://schemas.microsoft.com/office/2006/metadata/contentType" xmlns:ma="http://schemas.microsoft.com/office/2006/metadata/properties/metaAttributes" ct:_="" ma:_="" ma:contentTypeName="Document" ma:contentTypeID="0x010100F4022E11B6C55F458F03297D129AC5C7" ma:contentTypeVersion="16" ma:contentTypeDescription="Create a new document." ma:contentTypeScope="" ma:versionID="c5de254797c2e30b1c1dab67e1fdd087">
   <xsd:schema xmlns:xsd="http://www.w3.org/2001/XMLSchema" xmlns:xs="http://www.w3.org/2001/XMLSchema" xmlns:p="http://schemas.microsoft.com/office/2006/metadata/properties" xmlns:ns2="3e861e5c-b9b4-4f4a-a39d-d4f58c595d50" xmlns:ns3="3d8a2230-54d9-4525-a072-aaf2ad3921af" targetNamespace="http://schemas.microsoft.com/office/2006/metadata/properties" ma:root="true" ma:fieldsID="40d7e893f6517adbc7421dea239a8bfb" ns2:_="" ns3:_="">
     <xsd:import namespace="3e861e5c-b9b4-4f4a-a39d-d4f58c595d50"/>
@@ -14428,17 +14360,6 @@
 </ct:contentTypeSchema>
 </file>
 
-<file path=customXml/item2.xml><?xml version="1.0" encoding="utf-8"?>
-<p:properties xmlns:p="http://schemas.microsoft.com/office/2006/metadata/properties" xmlns:xsi="http://www.w3.org/2001/XMLSchema-instance" xmlns:pc="http://schemas.microsoft.com/office/infopath/2007/PartnerControls">
-  <documentManagement>
-    <TaxCatchAll xmlns="3d8a2230-54d9-4525-a072-aaf2ad3921af" xsi:nil="true"/>
-    <lcf76f155ced4ddcb4097134ff3c332f xmlns="3e861e5c-b9b4-4f4a-a39d-d4f58c595d50">
-      <Terms xmlns="http://schemas.microsoft.com/office/infopath/2007/PartnerControls"/>
-    </lcf76f155ced4ddcb4097134ff3c332f>
-  </documentManagement>
-</p:properties>
-</file>
-
 <file path=customXml/item3.xml><?xml version="1.0" encoding="utf-8"?>
 <?mso-contentType ?>
 <FormTemplates xmlns="http://schemas.microsoft.com/sharepoint/v3/contenttype/forms">
@@ -14449,6 +14370,17 @@
 </file>
 
 <file path=customXml/itemProps1.xml><?xml version="1.0" encoding="utf-8"?>
+<ds:datastoreItem xmlns:ds="http://schemas.openxmlformats.org/officeDocument/2006/customXml" ds:itemID="{B4CE31FE-9010-4DD9-ACBF-74A5EE27FA83}">
+  <ds:schemaRefs>
+    <ds:schemaRef ds:uri="http://schemas.microsoft.com/office/2006/metadata/properties"/>
+    <ds:schemaRef ds:uri="http://schemas.microsoft.com/office/infopath/2007/PartnerControls"/>
+    <ds:schemaRef ds:uri="3d8a2230-54d9-4525-a072-aaf2ad3921af"/>
+    <ds:schemaRef ds:uri="3e861e5c-b9b4-4f4a-a39d-d4f58c595d50"/>
+  </ds:schemaRefs>
+</ds:datastoreItem>
+</file>
+
+<file path=customXml/itemProps2.xml><?xml version="1.0" encoding="utf-8"?>
 <ds:datastoreItem xmlns:ds="http://schemas.openxmlformats.org/officeDocument/2006/customXml" ds:itemID="{3CEC6E53-DE09-48B9-92A5-3EADF1FB2829}">
   <ds:schemaRefs>
     <ds:schemaRef ds:uri="http://schemas.microsoft.com/office/2006/metadata/contentType"/>
@@ -14467,17 +14399,6 @@
 </ds:datastoreItem>
 </file>
 
-<file path=customXml/itemProps2.xml><?xml version="1.0" encoding="utf-8"?>
-<ds:datastoreItem xmlns:ds="http://schemas.openxmlformats.org/officeDocument/2006/customXml" ds:itemID="{B4CE31FE-9010-4DD9-ACBF-74A5EE27FA83}">
-  <ds:schemaRefs>
-    <ds:schemaRef ds:uri="http://schemas.microsoft.com/office/2006/metadata/properties"/>
-    <ds:schemaRef ds:uri="http://schemas.microsoft.com/office/infopath/2007/PartnerControls"/>
-    <ds:schemaRef ds:uri="3d8a2230-54d9-4525-a072-aaf2ad3921af"/>
-    <ds:schemaRef ds:uri="3e861e5c-b9b4-4f4a-a39d-d4f58c595d50"/>
-  </ds:schemaRefs>
-</ds:datastoreItem>
-</file>
-
 <file path=customXml/itemProps3.xml><?xml version="1.0" encoding="utf-8"?>
 <ds:datastoreItem xmlns:ds="http://schemas.openxmlformats.org/officeDocument/2006/customXml" ds:itemID="{76F36D4B-89AA-43AA-A4F8-41021B539501}">
   <ds:schemaRefs>
